--- a/总体设计报告/G14总体设计报告0.1.pptx
+++ b/总体设计报告/G14总体设计报告0.1.pptx
@@ -33979,38 +33979,62 @@
           </a:p>
         </p:txBody>
       </p:sp>
-      <p:pic>
-        <p:nvPicPr>
-          <p:cNvPr id="-2147482617" name="图片 -2147482618" descr="条件结构流程图"/>
-          <p:cNvPicPr>
-            <a:picLocks noChangeAspect="1"/>
-          </p:cNvPicPr>
+      <p:graphicFrame>
+        <p:nvGraphicFramePr>
+          <p:cNvPr id="3" name="对象 2">
+            <a:hlinkClick r:id="" action="ppaction://ole?verb="/>
+          </p:cNvPr>
+          <p:cNvGraphicFramePr>
+            <a:graphicFrameLocks noChangeAspect="1"/>
+          </p:cNvGraphicFramePr>
           <p:nvPr/>
-        </p:nvPicPr>
-        <p:blipFill>
-          <a:blip r:embed="rId2"/>
-          <a:srcRect l="4129" r="7019" b="5522"/>
-          <a:stretch>
-            <a:fillRect/>
-          </a:stretch>
-        </p:blipFill>
-        <p:spPr>
-          <a:xfrm>
-            <a:off x="2422525" y="9525"/>
-            <a:ext cx="3728720" cy="6838315"/>
-          </a:xfrm>
-          <a:prstGeom prst="rect">
-            <a:avLst/>
-          </a:prstGeom>
-          <a:noFill/>
-          <a:ln w="9525">
-            <a:noFill/>
-          </a:ln>
-        </p:spPr>
-      </p:pic>
+        </p:nvGraphicFramePr>
+        <p:xfrm>
+          <a:off x="2721610" y="0"/>
+          <a:ext cx="3700145" cy="6858000"/>
+        </p:xfrm>
+        <a:graphic>
+          <a:graphicData uri="http://schemas.openxmlformats.org/presentationml/2006/ole">
+            <mc:AlternateContent xmlns:mc="http://schemas.openxmlformats.org/markup-compatibility/2006">
+              <mc:Choice xmlns:v="urn:schemas-microsoft-com:vml" Requires="v">
+                <p:oleObj spid="_x0000_s1025" name="" r:id="rId2" imgW="3728720" imgH="6909435" progId="Visio.Drawing.15">
+                  <p:embed/>
+                </p:oleObj>
+              </mc:Choice>
+              <mc:Fallback>
+                <p:oleObj name="" r:id="rId2" imgW="3728720" imgH="6909435" progId="Visio.Drawing.15">
+                  <p:embed/>
+                  <p:pic>
+                    <p:nvPicPr>
+                      <p:cNvPr id="0" name="图片 1024"/>
+                      <p:cNvPicPr/>
+                      <p:nvPr/>
+                    </p:nvPicPr>
+                    <p:blipFill>
+                      <a:blip r:embed="rId3"/>
+                      <a:stretch>
+                        <a:fillRect/>
+                      </a:stretch>
+                    </p:blipFill>
+                    <p:spPr>
+                      <a:xfrm>
+                        <a:off x="2721610" y="0"/>
+                        <a:ext cx="3700145" cy="6858000"/>
+                      </a:xfrm>
+                      <a:prstGeom prst="rect">
+                        <a:avLst/>
+                      </a:prstGeom>
+                    </p:spPr>
+                  </p:pic>
+                </p:oleObj>
+              </mc:Fallback>
+            </mc:AlternateContent>
+          </a:graphicData>
+        </a:graphic>
+      </p:graphicFrame>
     </p:spTree>
     <p:custDataLst>
-      <p:tags r:id="rId3"/>
+      <p:tags r:id="rId4"/>
     </p:custDataLst>
   </p:cSld>
   <p:clrMapOvr>
@@ -41345,38 +41369,58 @@
         <p:nvPr/>
       </p:nvGrpSpPr>
       <p:grpSpPr/>
-      <p:pic>
-        <p:nvPicPr>
-          <p:cNvPr id="-2147482616" name="图片 -2147482617" descr="网页结构图"/>
-          <p:cNvPicPr>
-            <a:picLocks noChangeAspect="1"/>
-          </p:cNvPicPr>
+      <p:graphicFrame>
+        <p:nvGraphicFramePr>
+          <p:cNvPr id="5" name="对象 4"/>
+          <p:cNvGraphicFramePr/>
           <p:nvPr/>
-        </p:nvPicPr>
-        <p:blipFill>
-          <a:blip r:embed="rId1"/>
-          <a:srcRect r="1833" b="2032"/>
-          <a:stretch>
-            <a:fillRect/>
-          </a:stretch>
-        </p:blipFill>
-        <p:spPr>
-          <a:xfrm>
-            <a:off x="450850" y="80010"/>
-            <a:ext cx="8380730" cy="6697345"/>
-          </a:xfrm>
-          <a:prstGeom prst="rect">
-            <a:avLst/>
-          </a:prstGeom>
-          <a:noFill/>
-          <a:ln w="9525">
-            <a:noFill/>
-          </a:ln>
-        </p:spPr>
-      </p:pic>
+        </p:nvGraphicFramePr>
+        <p:xfrm>
+          <a:off x="1143000" y="753110"/>
+          <a:ext cx="6965315" cy="5469255"/>
+        </p:xfrm>
+        <a:graphic>
+          <a:graphicData uri="http://schemas.openxmlformats.org/presentationml/2006/ole">
+            <mc:AlternateContent xmlns:mc="http://schemas.openxmlformats.org/markup-compatibility/2006">
+              <mc:Choice xmlns:v="urn:schemas-microsoft-com:vml" Requires="v">
+                <p:oleObj spid="_x0000_s6" name="" r:id="rId1" imgW="5808345" imgH="4539615" progId="Visio.Drawing.15">
+                  <p:embed/>
+                </p:oleObj>
+              </mc:Choice>
+              <mc:Fallback>
+                <p:oleObj name="" r:id="rId1" imgW="5808345" imgH="4539615" progId="Visio.Drawing.15">
+                  <p:embed/>
+                  <p:pic>
+                    <p:nvPicPr>
+                      <p:cNvPr id="0" name="图片 5"/>
+                      <p:cNvPicPr/>
+                      <p:nvPr/>
+                    </p:nvPicPr>
+                    <p:blipFill>
+                      <a:blip r:embed="rId2"/>
+                      <a:stretch>
+                        <a:fillRect/>
+                      </a:stretch>
+                    </p:blipFill>
+                    <p:spPr>
+                      <a:xfrm>
+                        <a:off x="1143000" y="753110"/>
+                        <a:ext cx="6965315" cy="5469255"/>
+                      </a:xfrm>
+                      <a:prstGeom prst="rect">
+                        <a:avLst/>
+                      </a:prstGeom>
+                    </p:spPr>
+                  </p:pic>
+                </p:oleObj>
+              </mc:Fallback>
+            </mc:AlternateContent>
+          </a:graphicData>
+        </a:graphic>
+      </p:graphicFrame>
     </p:spTree>
     <p:custDataLst>
-      <p:tags r:id="rId2"/>
+      <p:tags r:id="rId3"/>
     </p:custDataLst>
   </p:cSld>
   <p:clrMapOvr>
